--- a/WDS/Whiteboard design session trainer presentation - Containers and DevOps.pptx
+++ b/WDS/Whiteboard design session trainer presentation - Containers and DevOps.pptx
@@ -221,7 +221,7 @@
           <a:p>
             <a:fld id="{52A13B17-C506-4D51-BB37-16B365906619}" type="datetimeFigureOut">
               <a:rPr lang="en-US" smtClean="0"/>
-              <a:t>4/17/2018</a:t>
+              <a:t>6/12/2018</a:t>
             </a:fld>
             <a:endParaRPr lang="en-US"/>
           </a:p>
@@ -1753,7 +1753,7 @@
                 <a:ea typeface="+mn-ea"/>
                 <a:cs typeface="+mn-cs"/>
               </a:rPr>
-              <a:t>Ideally, Azure Container Services (AKS) will provide a fully managed service with the full set of orchestration and management tools – as it evolves. Working with Azure Container Service with Kubernetes is the best choice to enable migration to AKS while still benefiting from a complete container orchestration experience to support the growth trajectory of the solution.</a:t>
+              <a:t>Ideally, Azure Kubernetes Service (AKS) will provide a fully managed service with the full set of orchestration and management tools – as it evolves. Working with AKS is the best choice to enable migration to AKS while still benefiting from a complete container orchestration experience to support the growth trajectory of the solution.</a:t>
             </a:r>
           </a:p>
           <a:p>
@@ -1851,8 +1851,19 @@
                 <a:ea typeface="+mn-ea"/>
                 <a:cs typeface="+mn-cs"/>
               </a:rPr>
-              <a:t>The best of all worlds is to go with a managed orchestration platform like AKS – native to Azure. It reduces the cost and management overhead of the cluster, while still providing a solution that supports growth, scale, and native management tooling. As mentioned, the natural transition to AKS is from Azure Container Service with Kubernetes as the orchestration option.</a:t>
-            </a:r>
+              <a:t>The best of all worlds is to go with a managed orchestration platform like AKS – native to Azure. It reduces the cost and management overhead of the cluster, while still providing a solution that supports growth, scale, and native management tooling. </a:t>
+            </a:r>
+          </a:p>
+          <a:p>
+            <a:endParaRPr lang="en-US" sz="1200" kern="1200" dirty="0">
+              <a:solidFill>
+                <a:schemeClr val="tx1"/>
+              </a:solidFill>
+              <a:effectLst/>
+              <a:latin typeface="+mn-lt"/>
+              <a:ea typeface="+mn-ea"/>
+              <a:cs typeface="+mn-cs"/>
+            </a:endParaRPr>
           </a:p>
           <a:p>
             <a:r>
@@ -1865,7 +1876,7 @@
                 <a:ea typeface="+mn-ea"/>
                 <a:cs typeface="+mn-cs"/>
               </a:rPr>
-              <a:t>You can choose the container orchestration tooling of your choice when you choose Azure Container Service; however, if you go with Kubernetes you will have additional features at your fingertips beyond the pure Docker approach including:</a:t>
+              <a:t>With Kubernetes you will have additional features at your fingertips beyond the pure Docker approach including:</a:t>
             </a:r>
           </a:p>
           <a:p>
@@ -2166,7 +2177,7 @@
                   <a:prstClr val="black"/>
                 </a:solidFill>
               </a:rPr>
-              <a:t>4/17/2018 5:17 PM</a:t>
+              <a:t>6/12/2018 1:46 PM</a:t>
             </a:fld>
             <a:endParaRPr lang="en-US" dirty="0">
               <a:solidFill>
@@ -2655,7 +2666,7 @@
           <a:bodyPr/>
           <a:lstStyle/>
           <a:p>
-            <a:endParaRPr lang="en-US"/>
+            <a:endParaRPr lang="en-US" dirty="0"/>
           </a:p>
         </p:txBody>
       </p:sp>
@@ -15246,7 +15257,12 @@
             <p:ph type="body" sz="quarter" idx="10"/>
           </p:nvPr>
         </p:nvSpPr>
-        <p:spPr/>
+        <p:spPr>
+          <a:xfrm>
+            <a:off x="269239" y="1189177"/>
+            <a:ext cx="11653523" cy="2052030"/>
+          </a:xfrm>
+        </p:spPr>
         <p:txBody>
           <a:bodyPr>
             <a:noAutofit/>
@@ -15309,7 +15325,23 @@
                   <a:schemeClr val="tx1"/>
                 </a:solidFill>
               </a:rPr>
-              <a:t>Continue to use MongoDB for data storage.</a:t>
+              <a:t>Migrate MongoDB data to </a:t>
+            </a:r>
+            <a:r>
+              <a:rPr lang="en-US" sz="2800" dirty="0" err="1">
+                <a:solidFill>
+                  <a:schemeClr val="tx1"/>
+                </a:solidFill>
+              </a:rPr>
+              <a:t>CosmosDB</a:t>
+            </a:r>
+            <a:r>
+              <a:rPr lang="en-US" sz="2800" dirty="0">
+                <a:solidFill>
+                  <a:schemeClr val="tx1"/>
+                </a:solidFill>
+              </a:rPr>
+              <a:t> without application changes.</a:t>
             </a:r>
           </a:p>
           <a:p>
@@ -15339,7 +15371,7 @@
                   <a:schemeClr val="tx1"/>
                 </a:solidFill>
               </a:rPr>
-              <a:t>Look at Chef as the CICD tool of choice.</a:t>
+              <a:t>Look at VSTS as the CICD tool of choice.</a:t>
             </a:r>
           </a:p>
           <a:p>
@@ -15837,13 +15869,8 @@
                 </a:solidFill>
                 <a:latin typeface="+mj-lt"/>
               </a:rPr>
-              <a:t>Chef Automate with Azure</a:t>
-            </a:r>
-            <a:endParaRPr lang="en-US" sz="1800" dirty="0">
-              <a:solidFill>
-                <a:schemeClr val="tx1"/>
-              </a:solidFill>
-            </a:endParaRPr>
+              <a:t>VSTS for CICD to Azure Kubernetes Service (AKS)</a:t>
+            </a:r>
           </a:p>
         </p:txBody>
       </p:sp>
@@ -15892,18 +15919,20 @@
       </p:sp>
       <p:pic>
         <p:nvPicPr>
-          <p:cNvPr id="5" name="Picture 4" descr="Automated Azure virtual machine deployments with Chef." title="Chef automatin with Azure">
+          <p:cNvPr id="1026" name="Picture 2" descr="VSTS DevOps workflow with Azure Kubernetes Service">
             <a:extLst>
               <a:ext uri="{FF2B5EF4-FFF2-40B4-BE49-F238E27FC236}">
-                <a16:creationId xmlns:a16="http://schemas.microsoft.com/office/drawing/2014/main" id="{3AF539B0-F33F-45C2-B3D7-B2A699C751E1}"/>
+                <a16:creationId xmlns:a16="http://schemas.microsoft.com/office/drawing/2014/main" id="{D848FBB8-DB5E-48C8-9111-518DF8FB2F55}"/>
               </a:ext>
             </a:extLst>
           </p:cNvPr>
-          <p:cNvPicPr/>
+          <p:cNvPicPr>
+            <a:picLocks noChangeAspect="1" noChangeArrowheads="1"/>
+          </p:cNvPicPr>
           <p:nvPr/>
         </p:nvPicPr>
         <p:blipFill>
-          <a:blip r:embed="rId3" cstate="print">
+          <a:blip r:embed="rId3">
             <a:extLst>
               <a:ext uri="{28A0092B-C50C-407E-A947-70E740481C1C}">
                 <a14:useLocalDpi xmlns:a14="http://schemas.microsoft.com/office/drawing/2010/main" val="0"/>
@@ -15917,16 +15946,22 @@
         </p:blipFill>
         <p:spPr bwMode="auto">
           <a:xfrm>
-            <a:off x="2902674" y="1981200"/>
-            <a:ext cx="5916861" cy="4587289"/>
+            <a:off x="1764005" y="2096199"/>
+            <a:ext cx="8143875" cy="4343400"/>
           </a:xfrm>
           <a:prstGeom prst="rect">
             <a:avLst/>
           </a:prstGeom>
           <a:noFill/>
-          <a:ln>
-            <a:noFill/>
-          </a:ln>
+          <a:extLst>
+            <a:ext uri="{909E8E84-426E-40DD-AFC4-6F175D3DCCD1}">
+              <a14:hiddenFill xmlns:a14="http://schemas.microsoft.com/office/drawing/2010/main">
+                <a:solidFill>
+                  <a:srgbClr val="FFFFFF"/>
+                </a:solidFill>
+              </a14:hiddenFill>
+            </a:ext>
+          </a:extLst>
         </p:spPr>
       </p:pic>
     </p:spTree>
@@ -17238,7 +17273,7 @@
             <a:pPr lvl="1"/>
             <a:r>
               <a:rPr lang="en-US" sz="3600" dirty="0"/>
-              <a:t>After evaluating the options for container platforms on Azure, and discussing the investment in Azure Container Services (AKS) with the team at Microsoft, </a:t>
+              <a:t>After evaluating the options for container platforms on Azure, </a:t>
             </a:r>
             <a:r>
               <a:rPr lang="en-US" sz="3600" dirty="0" err="1"/>
@@ -17246,7 +17281,7 @@
             </a:r>
             <a:r>
               <a:rPr lang="en-US" sz="3600" dirty="0"/>
-              <a:t> Medical Conferences decided to move forward with Azure Container Services (AKS).</a:t>
+              <a:t> Medical Conferences decided to move forward with Azure Kubernetes Service (AKS).</a:t>
             </a:r>
           </a:p>
           <a:p>
@@ -17257,7 +17292,7 @@
             <a:pPr lvl="1"/>
             <a:r>
               <a:rPr lang="en-US" sz="3600" dirty="0"/>
-              <a:t>They also decided to move forward with Chef for infrastructure and container DevOps workflows. </a:t>
+              <a:t>They also decided to move forward with VSTS for infrastructure and container DevOps workflows. </a:t>
             </a:r>
           </a:p>
           <a:p>
@@ -17493,7 +17528,7 @@
             </a:pPr>
             <a:r>
               <a:rPr lang="en-US" dirty="0"/>
-              <a:t>Create a Kubernetes cluster with Azure Container Service (AKS)</a:t>
+              <a:t>Create a Kubernetes cluster with Azure Kubernetes Service (AKS)</a:t>
             </a:r>
           </a:p>
           <a:p>
@@ -17777,7 +17812,7 @@
             <a:pPr lvl="2"/>
             <a:r>
               <a:rPr lang="en-US" sz="2408" dirty="0"/>
-              <a:t>Azure Container Services (AKS) – the ideal solution for a fully managed experience</a:t>
+              <a:t>Azure Kubernetes Services (AKS) – the ideal solution for a fully managed experience</a:t>
             </a:r>
           </a:p>
         </p:txBody>
@@ -18018,7 +18053,7 @@
                   <a:schemeClr val="tx1"/>
                 </a:solidFill>
               </a:rPr>
-              <a:t>“With Azure Container Services (AKS) we feel confident we can make the move to a container-based platform with the right DevOps support in place to be successful with a small team.”</a:t>
+              <a:t>“With Azure Kubernetes Service (AKS) we feel confident we can make the move to a container-based platform with the right DevOps support in place to be successful with a small team.”</a:t>
             </a:r>
             <a:endParaRPr lang="en-US" sz="3600" dirty="0">
               <a:solidFill>
@@ -18919,7 +18954,7 @@
             </a:r>
             <a:r>
               <a:rPr lang="en-US" sz="2800" b="1" dirty="0" err="1"/>
-              <a:t>MongoLabs</a:t>
+              <a:t>mLab</a:t>
             </a:r>
             <a:r>
               <a:rPr lang="en-US" sz="2800" b="1" dirty="0"/>
@@ -20176,15 +20211,6 @@
 </file>
 
 <file path=customXml/item2.xml><?xml version="1.0" encoding="utf-8"?>
-<p:properties xmlns:p="http://schemas.microsoft.com/office/2006/metadata/properties" xmlns:xsi="http://www.w3.org/2001/XMLSchema-instance" xmlns:pc="http://schemas.microsoft.com/office/infopath/2007/PartnerControls">
-  <documentManagement>
-    <_ip_UnifiedCompliancePolicyUIAction xmlns="http://schemas.microsoft.com/sharepoint/v3" xsi:nil="true"/>
-    <_ip_UnifiedCompliancePolicyProperties xmlns="http://schemas.microsoft.com/sharepoint/v3" xsi:nil="true"/>
-  </documentManagement>
-</p:properties>
-</file>
-
-<file path=customXml/item3.xml><?xml version="1.0" encoding="utf-8"?>
 <ct:contentTypeSchema xmlns:ct="http://schemas.microsoft.com/office/2006/metadata/contentType" xmlns:ma="http://schemas.microsoft.com/office/2006/metadata/properties/metaAttributes" ct:_="" ma:_="" ma:contentTypeName="Document" ma:contentTypeID="0x010100D15DFA3690A15B4081582BBCC6BEAC3E" ma:contentTypeVersion="9" ma:contentTypeDescription="Create a new document." ma:contentTypeScope="" ma:versionID="642da1784587cbe85a7fdbbe4dc36103">
   <xsd:schema xmlns:xsd="http://www.w3.org/2001/XMLSchema" xmlns:xs="http://www.w3.org/2001/XMLSchema" xmlns:p="http://schemas.microsoft.com/office/2006/metadata/properties" xmlns:ns1="http://schemas.microsoft.com/sharepoint/v3" xmlns:ns2="2023ac63-7b75-4916-a9ee-591457758eee" xmlns:ns3="d9c797ad-d7c3-4982-82b7-81352a75e4a5" targetNamespace="http://schemas.microsoft.com/office/2006/metadata/properties" ma:root="true" ma:fieldsID="91198b0246576053cc55dd2c67035a89" ns1:_="" ns2:_="" ns3:_="">
     <xsd:import namespace="http://schemas.microsoft.com/sharepoint/v3"/>
@@ -20386,6 +20412,15 @@
 </ct:contentTypeSchema>
 </file>
 
+<file path=customXml/item3.xml><?xml version="1.0" encoding="utf-8"?>
+<p:properties xmlns:p="http://schemas.microsoft.com/office/2006/metadata/properties" xmlns:xsi="http://www.w3.org/2001/XMLSchema-instance" xmlns:pc="http://schemas.microsoft.com/office/infopath/2007/PartnerControls">
+  <documentManagement>
+    <_ip_UnifiedCompliancePolicyUIAction xmlns="http://schemas.microsoft.com/sharepoint/v3" xsi:nil="true"/>
+    <_ip_UnifiedCompliancePolicyProperties xmlns="http://schemas.microsoft.com/sharepoint/v3" xsi:nil="true"/>
+  </documentManagement>
+</p:properties>
+</file>
+
 <file path=customXml/itemProps1.xml><?xml version="1.0" encoding="utf-8"?>
 <ds:datastoreItem xmlns:ds="http://schemas.openxmlformats.org/officeDocument/2006/customXml" ds:itemID="{158EBE6C-F96B-4BB0-A894-BE91EDC32CEB}">
   <ds:schemaRefs>
@@ -20395,24 +20430,6 @@
 </file>
 
 <file path=customXml/itemProps2.xml><?xml version="1.0" encoding="utf-8"?>
-<ds:datastoreItem xmlns:ds="http://schemas.openxmlformats.org/officeDocument/2006/customXml" ds:itemID="{31C66A41-D5D1-47A0-92FC-E1A1B9B5AA14}">
-  <ds:schemaRefs>
-    <ds:schemaRef ds:uri="http://schemas.microsoft.com/sharepoint/v3"/>
-    <ds:schemaRef ds:uri="http://purl.org/dc/terms/"/>
-    <ds:schemaRef ds:uri="http://schemas.openxmlformats.org/package/2006/metadata/core-properties"/>
-    <ds:schemaRef ds:uri="http://schemas.microsoft.com/office/2006/documentManagement/types"/>
-    <ds:schemaRef ds:uri="http://schemas.microsoft.com/office/infopath/2007/PartnerControls"/>
-    <ds:schemaRef ds:uri="http://purl.org/dc/elements/1.1/"/>
-    <ds:schemaRef ds:uri="http://schemas.microsoft.com/office/2006/metadata/properties"/>
-    <ds:schemaRef ds:uri="d9c797ad-d7c3-4982-82b7-81352a75e4a5"/>
-    <ds:schemaRef ds:uri="2023ac63-7b75-4916-a9ee-591457758eee"/>
-    <ds:schemaRef ds:uri="http://www.w3.org/XML/1998/namespace"/>
-    <ds:schemaRef ds:uri="http://purl.org/dc/dcmitype/"/>
-  </ds:schemaRefs>
-</ds:datastoreItem>
-</file>
-
-<file path=customXml/itemProps3.xml><?xml version="1.0" encoding="utf-8"?>
 <ds:datastoreItem xmlns:ds="http://schemas.openxmlformats.org/officeDocument/2006/customXml" ds:itemID="{7739C07D-175D-4795-BC78-2FBA4DE737F8}">
   <ds:schemaRefs>
     <ds:schemaRef ds:uri="http://schemas.microsoft.com/office/2006/metadata/contentType"/>
@@ -20430,4 +20447,22 @@
     <ds:schemaRef ds:uri="http://schemas.microsoft.com/internal/obd"/>
   </ds:schemaRefs>
 </ds:datastoreItem>
+</file>
+
+<file path=customXml/itemProps3.xml><?xml version="1.0" encoding="utf-8"?>
+<ds:datastoreItem xmlns:ds="http://schemas.openxmlformats.org/officeDocument/2006/customXml" ds:itemID="{31C66A41-D5D1-47A0-92FC-E1A1B9B5AA14}">
+  <ds:schemaRefs>
+    <ds:schemaRef ds:uri="http://schemas.microsoft.com/sharepoint/v3"/>
+    <ds:schemaRef ds:uri="http://purl.org/dc/terms/"/>
+    <ds:schemaRef ds:uri="http://schemas.openxmlformats.org/package/2006/metadata/core-properties"/>
+    <ds:schemaRef ds:uri="http://schemas.microsoft.com/office/2006/documentManagement/types"/>
+    <ds:schemaRef ds:uri="http://schemas.microsoft.com/office/infopath/2007/PartnerControls"/>
+    <ds:schemaRef ds:uri="http://purl.org/dc/elements/1.1/"/>
+    <ds:schemaRef ds:uri="http://schemas.microsoft.com/office/2006/metadata/properties"/>
+    <ds:schemaRef ds:uri="d9c797ad-d7c3-4982-82b7-81352a75e4a5"/>
+    <ds:schemaRef ds:uri="2023ac63-7b75-4916-a9ee-591457758eee"/>
+    <ds:schemaRef ds:uri="http://www.w3.org/XML/1998/namespace"/>
+    <ds:schemaRef ds:uri="http://purl.org/dc/dcmitype/"/>
+  </ds:schemaRefs>
+</ds:datastoreItem>
 </file>
--- a/WDS/Whiteboard design session trainer presentation - Containers and DevOps.pptx
+++ b/WDS/Whiteboard design session trainer presentation - Containers and DevOps.pptx
@@ -221,7 +221,7 @@
           <a:p>
             <a:fld id="{52A13B17-C506-4D51-BB37-16B365906619}" type="datetimeFigureOut">
               <a:rPr lang="en-US" smtClean="0"/>
-              <a:t>6/12/2018</a:t>
+              <a:t>6/27/2018</a:t>
             </a:fld>
             <a:endParaRPr lang="en-US"/>
           </a:p>
@@ -2177,7 +2177,7 @@
                   <a:prstClr val="black"/>
                 </a:solidFill>
               </a:rPr>
-              <a:t>6/12/2018 1:46 PM</a:t>
+              <a:t>6/27/2018 8:04 PM</a:t>
             </a:fld>
             <a:endParaRPr lang="en-US" dirty="0">
               <a:solidFill>
@@ -17695,10 +17695,10 @@
       </p:sp>
       <p:pic>
         <p:nvPicPr>
-          <p:cNvPr id="3" name="Picture 2" descr="The solution will use Azure Kubernetes Service (AKS). The proposed containers deployed to the cluster are illustrated in this diagram, with MongoDB remaining as a managed service.">
+          <p:cNvPr id="4" name="Picture 3">
             <a:extLst>
               <a:ext uri="{FF2B5EF4-FFF2-40B4-BE49-F238E27FC236}">
-                <a16:creationId xmlns:a16="http://schemas.microsoft.com/office/drawing/2014/main" id="{EB49DCF4-123B-4467-971B-3222F81D9810}"/>
+                <a16:creationId xmlns:a16="http://schemas.microsoft.com/office/drawing/2014/main" id="{A77DE13A-AD2C-4759-A6A4-111012127BDB}"/>
               </a:ext>
             </a:extLst>
           </p:cNvPr>
@@ -17715,8 +17715,8 @@
         </p:blipFill>
         <p:spPr>
           <a:xfrm>
-            <a:off x="1686187" y="1189176"/>
-            <a:ext cx="9468697" cy="5443207"/>
+            <a:off x="1715911" y="1369575"/>
+            <a:ext cx="9014287" cy="5352957"/>
           </a:xfrm>
           <a:prstGeom prst="rect">
             <a:avLst/>
@@ -20202,15 +20202,6 @@
 </file>
 
 <file path=customXml/item1.xml><?xml version="1.0" encoding="utf-8"?>
-<?mso-contentType ?>
-<FormTemplates xmlns="http://schemas.microsoft.com/sharepoint/v3/contenttype/forms">
-  <Display>DocumentLibraryForm</Display>
-  <Edit>DocumentLibraryForm</Edit>
-  <New>DocumentLibraryForm</New>
-</FormTemplates>
-</file>
-
-<file path=customXml/item2.xml><?xml version="1.0" encoding="utf-8"?>
 <ct:contentTypeSchema xmlns:ct="http://schemas.microsoft.com/office/2006/metadata/contentType" xmlns:ma="http://schemas.microsoft.com/office/2006/metadata/properties/metaAttributes" ct:_="" ma:_="" ma:contentTypeName="Document" ma:contentTypeID="0x010100D15DFA3690A15B4081582BBCC6BEAC3E" ma:contentTypeVersion="9" ma:contentTypeDescription="Create a new document." ma:contentTypeScope="" ma:versionID="642da1784587cbe85a7fdbbe4dc36103">
   <xsd:schema xmlns:xsd="http://www.w3.org/2001/XMLSchema" xmlns:xs="http://www.w3.org/2001/XMLSchema" xmlns:p="http://schemas.microsoft.com/office/2006/metadata/properties" xmlns:ns1="http://schemas.microsoft.com/sharepoint/v3" xmlns:ns2="2023ac63-7b75-4916-a9ee-591457758eee" xmlns:ns3="d9c797ad-d7c3-4982-82b7-81352a75e4a5" targetNamespace="http://schemas.microsoft.com/office/2006/metadata/properties" ma:root="true" ma:fieldsID="91198b0246576053cc55dd2c67035a89" ns1:_="" ns2:_="" ns3:_="">
     <xsd:import namespace="http://schemas.microsoft.com/sharepoint/v3"/>
@@ -20412,6 +20403,15 @@
 </ct:contentTypeSchema>
 </file>
 
+<file path=customXml/item2.xml><?xml version="1.0" encoding="utf-8"?>
+<?mso-contentType ?>
+<FormTemplates xmlns="http://schemas.microsoft.com/sharepoint/v3/contenttype/forms">
+  <Display>DocumentLibraryForm</Display>
+  <Edit>DocumentLibraryForm</Edit>
+  <New>DocumentLibraryForm</New>
+</FormTemplates>
+</file>
+
 <file path=customXml/item3.xml><?xml version="1.0" encoding="utf-8"?>
 <p:properties xmlns:p="http://schemas.microsoft.com/office/2006/metadata/properties" xmlns:xsi="http://www.w3.org/2001/XMLSchema-instance" xmlns:pc="http://schemas.microsoft.com/office/infopath/2007/PartnerControls">
   <documentManagement>
@@ -20422,14 +20422,6 @@
 </file>
 
 <file path=customXml/itemProps1.xml><?xml version="1.0" encoding="utf-8"?>
-<ds:datastoreItem xmlns:ds="http://schemas.openxmlformats.org/officeDocument/2006/customXml" ds:itemID="{158EBE6C-F96B-4BB0-A894-BE91EDC32CEB}">
-  <ds:schemaRefs>
-    <ds:schemaRef ds:uri="http://schemas.microsoft.com/sharepoint/v3/contenttype/forms"/>
-  </ds:schemaRefs>
-</ds:datastoreItem>
-</file>
-
-<file path=customXml/itemProps2.xml><?xml version="1.0" encoding="utf-8"?>
 <ds:datastoreItem xmlns:ds="http://schemas.openxmlformats.org/officeDocument/2006/customXml" ds:itemID="{7739C07D-175D-4795-BC78-2FBA4DE737F8}">
   <ds:schemaRefs>
     <ds:schemaRef ds:uri="http://schemas.microsoft.com/office/2006/metadata/contentType"/>
@@ -20445,6 +20437,14 @@
     <ds:schemaRef ds:uri="http://purl.org/dc/elements/1.1/"/>
     <ds:schemaRef ds:uri="http://purl.org/dc/terms/"/>
     <ds:schemaRef ds:uri="http://schemas.microsoft.com/internal/obd"/>
+  </ds:schemaRefs>
+</ds:datastoreItem>
+</file>
+
+<file path=customXml/itemProps2.xml><?xml version="1.0" encoding="utf-8"?>
+<ds:datastoreItem xmlns:ds="http://schemas.openxmlformats.org/officeDocument/2006/customXml" ds:itemID="{158EBE6C-F96B-4BB0-A894-BE91EDC32CEB}">
+  <ds:schemaRefs>
+    <ds:schemaRef ds:uri="http://schemas.microsoft.com/sharepoint/v3/contenttype/forms"/>
   </ds:schemaRefs>
 </ds:datastoreItem>
 </file>

--- a/WDS/Whiteboard design session trainer presentation - Containers and DevOps.pptx
+++ b/WDS/Whiteboard design session trainer presentation - Containers and DevOps.pptx
@@ -221,7 +221,7 @@
           <a:p>
             <a:fld id="{52A13B17-C506-4D51-BB37-16B365906619}" type="datetimeFigureOut">
               <a:rPr lang="en-US" smtClean="0"/>
-              <a:t>6/27/2018</a:t>
+              <a:t>6/29/2018</a:t>
             </a:fld>
             <a:endParaRPr lang="en-US"/>
           </a:p>
@@ -2177,7 +2177,7 @@
                   <a:prstClr val="black"/>
                 </a:solidFill>
               </a:rPr>
-              <a:t>6/27/2018 8:04 PM</a:t>
+              <a:t>6/29/2018 12:07 AM</a:t>
             </a:fld>
             <a:endParaRPr lang="en-US" dirty="0">
               <a:solidFill>
@@ -15049,6 +15049,15 @@
               </a:rPr>
               <a:t>Customer situation</a:t>
             </a:r>
+            <a:r>
+              <a:rPr lang="en-US" dirty="0">
+                <a:solidFill>
+                  <a:schemeClr val="tx1"/>
+                </a:solidFill>
+                <a:latin typeface="Segoe UI" panose="020B0502040204020203" pitchFamily="34" charset="0"/>
+              </a:rPr>
+              <a:t/>
+            </a:r>
             <a:br>
               <a:rPr lang="en-US" dirty="0">
                 <a:solidFill>
@@ -15068,7 +15077,7 @@
       </p:sp>
       <p:pic>
         <p:nvPicPr>
-          <p:cNvPr id="4" name="Graphic 3" descr="Speech">
+          <p:cNvPr id="4" name="Graphic 3" descr="Speech icon">
             <a:extLst>
               <a:ext uri="{FF2B5EF4-FFF2-40B4-BE49-F238E27FC236}">
                 <a16:creationId xmlns:a16="http://schemas.microsoft.com/office/drawing/2014/main" id="{60170A7D-EFEA-4F34-A44E-57F33E6E6E4C}"/>
@@ -15087,7 +15096,7 @@
                 <a14:useLocalDpi xmlns:a14="http://schemas.microsoft.com/office/drawing/2010/main" val="0"/>
               </a:ext>
               <a:ext uri="{96DAC541-7B7A-43D3-8B79-37D633B846F1}">
-                <asvg:svgBlip xmlns:asvg="http://schemas.microsoft.com/office/drawing/2016/SVG/main" r:embed="rId4"/>
+                <asvg:svgBlip xmlns:asvg="http://schemas.microsoft.com/office/drawing/2016/SVG/main" xmlns="" r:embed="rId4"/>
               </a:ext>
             </a:extLst>
           </a:blip>
@@ -15097,8 +15106,8 @@
         </p:blipFill>
         <p:spPr>
           <a:xfrm>
-            <a:off x="-459498" y="475963"/>
-            <a:ext cx="10793595" cy="6359445"/>
+            <a:off x="7538061" y="3451333"/>
+            <a:ext cx="4387019" cy="2584774"/>
           </a:xfrm>
           <a:prstGeom prst="rect">
             <a:avLst/>
@@ -15126,8 +15135,8 @@
         </p:nvSpPr>
         <p:spPr>
           <a:xfrm>
-            <a:off x="1356658" y="1728898"/>
-            <a:ext cx="7327153" cy="2862322"/>
+            <a:off x="269240" y="1189176"/>
+            <a:ext cx="8885393" cy="4524315"/>
           </a:xfrm>
           <a:prstGeom prst="rect">
             <a:avLst/>
@@ -15140,70 +15149,128 @@
           <a:lstStyle/>
           <a:p>
             <a:r>
-              <a:rPr lang="en-US" dirty="0"/>
-              <a:t>These are the key challenges we want to resolve:</a:t>
-            </a:r>
-          </a:p>
-          <a:p>
-            <a:endParaRPr lang="en-US" dirty="0"/>
-          </a:p>
-          <a:p>
-            <a:pPr marL="285750" indent="-285750">
+              <a:rPr lang="en-US" sz="3600" dirty="0">
+                <a:latin typeface="+mj-lt"/>
+              </a:rPr>
+              <a:t>These are the key challenges </a:t>
+            </a:r>
+            <a:r>
+              <a:rPr lang="en-US" sz="3600" dirty="0" smtClean="0">
+                <a:latin typeface="+mj-lt"/>
+              </a:rPr>
+              <a:t>we </a:t>
+            </a:r>
+            <a:r>
+              <a:rPr lang="en-US" sz="3600" dirty="0">
+                <a:latin typeface="+mj-lt"/>
+              </a:rPr>
+              <a:t>want </a:t>
+            </a:r>
+            <a:r>
+              <a:rPr lang="en-US" sz="3600" dirty="0" smtClean="0">
+                <a:latin typeface="+mj-lt"/>
+              </a:rPr>
+              <a:t/>
+            </a:r>
+            <a:br>
+              <a:rPr lang="en-US" sz="3600" dirty="0" smtClean="0">
+                <a:latin typeface="+mj-lt"/>
+              </a:rPr>
+            </a:br>
+            <a:r>
+              <a:rPr lang="en-US" sz="3600" dirty="0" smtClean="0">
+                <a:latin typeface="+mj-lt"/>
+              </a:rPr>
+              <a:t>to </a:t>
+            </a:r>
+            <a:r>
+              <a:rPr lang="en-US" sz="3600" dirty="0">
+                <a:latin typeface="+mj-lt"/>
+              </a:rPr>
+              <a:t>resolve</a:t>
+            </a:r>
+            <a:r>
+              <a:rPr lang="en-US" sz="3600" dirty="0" smtClean="0">
+                <a:latin typeface="+mj-lt"/>
+              </a:rPr>
+              <a:t>:</a:t>
+            </a:r>
+            <a:endParaRPr lang="en-US" sz="3600" dirty="0">
+              <a:latin typeface="+mj-lt"/>
+            </a:endParaRPr>
+          </a:p>
+          <a:p>
+            <a:pPr marL="742950" lvl="1" indent="-285750">
               <a:buFont typeface="Arial" panose="020B0604020202020204" pitchFamily="34" charset="0"/>
               <a:buChar char="•"/>
             </a:pPr>
             <a:r>
-              <a:rPr lang="en-US" dirty="0"/>
+              <a:rPr lang="en-US" sz="2400" dirty="0"/>
               <a:t>Reduce potential for regressions when changes are made to each tenant code base.</a:t>
             </a:r>
           </a:p>
           <a:p>
-            <a:pPr marL="285750" indent="-285750">
+            <a:pPr marL="742950" lvl="1" indent="-285750">
               <a:buFont typeface="Arial" panose="020B0604020202020204" pitchFamily="34" charset="0"/>
               <a:buChar char="•"/>
             </a:pPr>
             <a:r>
-              <a:rPr lang="en-US" dirty="0"/>
-              <a:t>Reduce the coverage required as new features are rolled out in different areas.</a:t>
-            </a:r>
-          </a:p>
-          <a:p>
-            <a:pPr marL="285750" indent="-285750">
+              <a:rPr lang="en-US" sz="2400" dirty="0"/>
+              <a:t>Reduce the coverage required as new features are rolled </a:t>
+            </a:r>
+            <a:r>
+              <a:rPr lang="en-US" sz="2400" dirty="0" smtClean="0"/>
+              <a:t/>
+            </a:r>
+            <a:br>
+              <a:rPr lang="en-US" sz="2400" dirty="0" smtClean="0"/>
+            </a:br>
+            <a:r>
+              <a:rPr lang="en-US" sz="2400" dirty="0" smtClean="0"/>
+              <a:t>out </a:t>
+            </a:r>
+            <a:r>
+              <a:rPr lang="en-US" sz="2400" dirty="0"/>
+              <a:t>in different areas.</a:t>
+            </a:r>
+          </a:p>
+          <a:p>
+            <a:pPr marL="742950" lvl="1" indent="-285750">
               <a:buFont typeface="Arial" panose="020B0604020202020204" pitchFamily="34" charset="0"/>
               <a:buChar char="•"/>
             </a:pPr>
             <a:r>
-              <a:rPr lang="en-US" dirty="0"/>
+              <a:rPr lang="en-US" sz="2400" dirty="0"/>
               <a:t>Reduce the time to onboard new tenants.</a:t>
             </a:r>
           </a:p>
           <a:p>
-            <a:pPr marL="285750" indent="-285750">
+            <a:pPr marL="742950" lvl="1" indent="-285750">
               <a:buFont typeface="Arial" panose="020B0604020202020204" pitchFamily="34" charset="0"/>
               <a:buChar char="•"/>
             </a:pPr>
             <a:r>
-              <a:rPr lang="en-US" dirty="0"/>
+              <a:rPr lang="en-US" sz="2400" dirty="0"/>
               <a:t>Reduce overhead managing changes, and related deployments.</a:t>
             </a:r>
           </a:p>
           <a:p>
-            <a:pPr marL="285750" indent="-285750">
+            <a:pPr marL="742950" lvl="1" indent="-285750">
               <a:buFont typeface="Arial" panose="020B0604020202020204" pitchFamily="34" charset="0"/>
               <a:buChar char="•"/>
             </a:pPr>
             <a:r>
-              <a:rPr lang="en-US" dirty="0"/>
+              <a:rPr lang="en-US" sz="2400" dirty="0"/>
               <a:t>Improve ability to roll back or forward quickly.</a:t>
             </a:r>
           </a:p>
           <a:p>
-            <a:pPr marL="285750" indent="-285750">
+            <a:pPr marL="742950" lvl="1" indent="-285750">
               <a:buFont typeface="Arial" panose="020B0604020202020204" pitchFamily="34" charset="0"/>
               <a:buChar char="•"/>
             </a:pPr>
             <a:r>
-              <a:rPr lang="en-US" dirty="0"/>
+              <a:rPr lang="en-US" sz="2400" dirty="0"/>
               <a:t>Improve visibility into overall operations and health.</a:t>
             </a:r>
           </a:p>
@@ -15259,7 +15326,7 @@
         </p:nvSpPr>
         <p:spPr>
           <a:xfrm>
-            <a:off x="269239" y="1189177"/>
+            <a:off x="269240" y="1104116"/>
             <a:ext cx="11653523" cy="2052030"/>
           </a:xfrm>
         </p:spPr>
@@ -15279,9 +15346,25 @@
                 <a:solidFill>
                   <a:schemeClr val="tx1"/>
                 </a:solidFill>
+                <a:latin typeface="+mj-lt"/>
               </a:rPr>
-              <a:t>Simplify new tenant deployment.</a:t>
-            </a:r>
+              <a:t>Simplify new tenant </a:t>
+            </a:r>
+            <a:r>
+              <a:rPr lang="en-US" sz="2800" dirty="0" smtClean="0">
+                <a:solidFill>
+                  <a:schemeClr val="tx1"/>
+                </a:solidFill>
+                <a:latin typeface="+mj-lt"/>
+              </a:rPr>
+              <a:t>deployment</a:t>
+            </a:r>
+            <a:endParaRPr lang="en-US" sz="2800" dirty="0">
+              <a:solidFill>
+                <a:schemeClr val="tx1"/>
+              </a:solidFill>
+              <a:latin typeface="+mj-lt"/>
+            </a:endParaRPr>
           </a:p>
           <a:p>
             <a:pPr lvl="1">
@@ -15294,9 +15377,25 @@
                 <a:solidFill>
                   <a:schemeClr val="tx1"/>
                 </a:solidFill>
+                <a:latin typeface="+mj-lt"/>
               </a:rPr>
-              <a:t>Improve reliability of tenant updates.</a:t>
-            </a:r>
+              <a:t>Improve reliability of tenant </a:t>
+            </a:r>
+            <a:r>
+              <a:rPr lang="en-US" sz="2800" dirty="0" smtClean="0">
+                <a:solidFill>
+                  <a:schemeClr val="tx1"/>
+                </a:solidFill>
+                <a:latin typeface="+mj-lt"/>
+              </a:rPr>
+              <a:t>updates</a:t>
+            </a:r>
+            <a:endParaRPr lang="en-US" sz="2800" dirty="0">
+              <a:solidFill>
+                <a:schemeClr val="tx1"/>
+              </a:solidFill>
+              <a:latin typeface="+mj-lt"/>
+            </a:endParaRPr>
           </a:p>
           <a:p>
             <a:pPr lvl="1">
@@ -15309,9 +15408,25 @@
                 <a:solidFill>
                   <a:schemeClr val="tx1"/>
                 </a:solidFill>
+                <a:latin typeface="+mj-lt"/>
               </a:rPr>
-              <a:t>Choose a suitable Docker container strategy on Azure.</a:t>
-            </a:r>
+              <a:t>Choose a suitable Docker container strategy on </a:t>
+            </a:r>
+            <a:r>
+              <a:rPr lang="en-US" sz="2800" dirty="0" smtClean="0">
+                <a:solidFill>
+                  <a:schemeClr val="tx1"/>
+                </a:solidFill>
+                <a:latin typeface="+mj-lt"/>
+              </a:rPr>
+              <a:t>Azure</a:t>
+            </a:r>
+            <a:endParaRPr lang="en-US" sz="2800" dirty="0">
+              <a:solidFill>
+                <a:schemeClr val="tx1"/>
+              </a:solidFill>
+              <a:latin typeface="+mj-lt"/>
+            </a:endParaRPr>
           </a:p>
           <a:p>
             <a:pPr lvl="1">
@@ -15324,6 +15439,7 @@
                 <a:solidFill>
                   <a:schemeClr val="tx1"/>
                 </a:solidFill>
+                <a:latin typeface="+mj-lt"/>
               </a:rPr>
               <a:t>Migrate MongoDB data to </a:t>
             </a:r>
@@ -15332,6 +15448,7 @@
                 <a:solidFill>
                   <a:schemeClr val="tx1"/>
                 </a:solidFill>
+                <a:latin typeface="+mj-lt"/>
               </a:rPr>
               <a:t>CosmosDB</a:t>
             </a:r>
@@ -15340,9 +15457,25 @@
                 <a:solidFill>
                   <a:schemeClr val="tx1"/>
                 </a:solidFill>
+                <a:latin typeface="+mj-lt"/>
               </a:rPr>
-              <a:t> without application changes.</a:t>
-            </a:r>
+              <a:t> without application </a:t>
+            </a:r>
+            <a:r>
+              <a:rPr lang="en-US" sz="2800" dirty="0" smtClean="0">
+                <a:solidFill>
+                  <a:schemeClr val="tx1"/>
+                </a:solidFill>
+                <a:latin typeface="+mj-lt"/>
+              </a:rPr>
+              <a:t>changes</a:t>
+            </a:r>
+            <a:endParaRPr lang="en-US" sz="2800" dirty="0">
+              <a:solidFill>
+                <a:schemeClr val="tx1"/>
+              </a:solidFill>
+              <a:latin typeface="+mj-lt"/>
+            </a:endParaRPr>
           </a:p>
           <a:p>
             <a:pPr lvl="1">
@@ -15355,9 +15488,25 @@
                 <a:solidFill>
                   <a:schemeClr val="tx1"/>
                 </a:solidFill>
+                <a:latin typeface="+mj-lt"/>
               </a:rPr>
-              <a:t>Continue to use Git repositories for source control.</a:t>
-            </a:r>
+              <a:t>Continue to use Git repositories for source </a:t>
+            </a:r>
+            <a:r>
+              <a:rPr lang="en-US" sz="2800" dirty="0" smtClean="0">
+                <a:solidFill>
+                  <a:schemeClr val="tx1"/>
+                </a:solidFill>
+                <a:latin typeface="+mj-lt"/>
+              </a:rPr>
+              <a:t>control</a:t>
+            </a:r>
+            <a:endParaRPr lang="en-US" sz="2800" dirty="0">
+              <a:solidFill>
+                <a:schemeClr val="tx1"/>
+              </a:solidFill>
+              <a:latin typeface="+mj-lt"/>
+            </a:endParaRPr>
           </a:p>
           <a:p>
             <a:pPr lvl="1">
@@ -15370,9 +15519,25 @@
                 <a:solidFill>
                   <a:schemeClr val="tx1"/>
                 </a:solidFill>
+                <a:latin typeface="+mj-lt"/>
               </a:rPr>
-              <a:t>Look at VSTS as the CICD tool of choice.</a:t>
-            </a:r>
+              <a:t>Look at VSTS as the CICD tool of </a:t>
+            </a:r>
+            <a:r>
+              <a:rPr lang="en-US" sz="2800" dirty="0" smtClean="0">
+                <a:solidFill>
+                  <a:schemeClr val="tx1"/>
+                </a:solidFill>
+                <a:latin typeface="+mj-lt"/>
+              </a:rPr>
+              <a:t>choice</a:t>
+            </a:r>
+            <a:endParaRPr lang="en-US" sz="2800" dirty="0">
+              <a:solidFill>
+                <a:schemeClr val="tx1"/>
+              </a:solidFill>
+              <a:latin typeface="+mj-lt"/>
+            </a:endParaRPr>
           </a:p>
           <a:p>
             <a:pPr lvl="1">
@@ -15385,9 +15550,25 @@
                 <a:solidFill>
                   <a:schemeClr val="tx1"/>
                 </a:solidFill>
+                <a:latin typeface="+mj-lt"/>
               </a:rPr>
-              <a:t>Use tools for deployment, CICD integration, container scheduling, orchestration, monitoring, and alerts.</a:t>
-            </a:r>
+              <a:t>Use tools for deployment, CICD integration, container scheduling, orchestration, monitoring, and </a:t>
+            </a:r>
+            <a:r>
+              <a:rPr lang="en-US" sz="2800" dirty="0" smtClean="0">
+                <a:solidFill>
+                  <a:schemeClr val="tx1"/>
+                </a:solidFill>
+                <a:latin typeface="+mj-lt"/>
+              </a:rPr>
+              <a:t>alerts</a:t>
+            </a:r>
+            <a:endParaRPr lang="en-US" sz="2800" dirty="0">
+              <a:solidFill>
+                <a:schemeClr val="tx1"/>
+              </a:solidFill>
+              <a:latin typeface="+mj-lt"/>
+            </a:endParaRPr>
           </a:p>
           <a:p>
             <a:pPr lvl="1">
@@ -15396,7 +15577,9 @@
               </a:spcAft>
             </a:pPr>
             <a:r>
-              <a:rPr lang="en-US" sz="2800" b="1" dirty="0"/>
+              <a:rPr lang="en-US" sz="2800" dirty="0">
+                <a:latin typeface="+mj-lt"/>
+              </a:rPr>
               <a:t>They wish to complete an implementation of the proposed solution for a single tenant to train the team and perfect the process.</a:t>
             </a:r>
           </a:p>
@@ -15464,6 +15647,15 @@
                 <a:cs typeface="Segoe UI" panose="020B0502040204020203" pitchFamily="34" charset="0"/>
               </a:rPr>
               <a:t>Customer needs</a:t>
+            </a:r>
+            <a:r>
+              <a:rPr lang="en-US" dirty="0">
+                <a:solidFill>
+                  <a:schemeClr val="tx1"/>
+                </a:solidFill>
+                <a:latin typeface="Segoe UI" panose="020B0502040204020203" pitchFamily="34" charset="0"/>
+              </a:rPr>
+              <a:t/>
             </a:r>
             <a:br>
               <a:rPr lang="en-US" dirty="0">
@@ -15549,8 +15741,16 @@
             </a:pPr>
             <a:r>
               <a:rPr lang="en-US" sz="3600" b="1" dirty="0"/>
-              <a:t>With so many platforms and tools for Docker and container orchestration, how should we choose an option for Azure?</a:t>
-            </a:r>
+              <a:t>With so many platforms and tools for Docker and container orchestration, how should we choose an option for Azure</a:t>
+            </a:r>
+            <a:r>
+              <a:rPr lang="en-US" sz="3600" b="1" dirty="0" smtClean="0"/>
+              <a:t>?</a:t>
+            </a:r>
+            <a:br>
+              <a:rPr lang="en-US" sz="3600" b="1" dirty="0" smtClean="0"/>
+            </a:br>
+            <a:endParaRPr lang="en-US" sz="2000" b="1" dirty="0"/>
           </a:p>
           <a:p>
             <a:pPr lvl="0" fontAlgn="base">
@@ -15590,6 +15790,15 @@
                 <a:cs typeface="Segoe UI" panose="020B0502040204020203" pitchFamily="34" charset="0"/>
               </a:rPr>
               <a:t>Customer objections</a:t>
+            </a:r>
+            <a:r>
+              <a:rPr lang="en-US" dirty="0">
+                <a:solidFill>
+                  <a:schemeClr val="tx1"/>
+                </a:solidFill>
+                <a:latin typeface="Segoe UI" panose="020B0502040204020203" pitchFamily="34" charset="0"/>
+              </a:rPr>
+              <a:t/>
             </a:r>
             <a:br>
               <a:rPr lang="en-US" dirty="0">
@@ -15629,7 +15838,7 @@
                 <a14:useLocalDpi xmlns:a14="http://schemas.microsoft.com/office/drawing/2010/main" val="0"/>
               </a:ext>
               <a:ext uri="{96DAC541-7B7A-43D3-8B79-37D633B846F1}">
-                <asvg:svgBlip xmlns:asvg="http://schemas.microsoft.com/office/drawing/2016/SVG/main" r:embed="rId4"/>
+                <asvg:svgBlip xmlns:asvg="http://schemas.microsoft.com/office/drawing/2016/SVG/main" xmlns="" r:embed="rId4"/>
               </a:ext>
             </a:extLst>
           </a:blip>
@@ -15639,7 +15848,7 @@
         </p:blipFill>
         <p:spPr>
           <a:xfrm>
-            <a:off x="9535338" y="1258100"/>
+            <a:off x="9535338" y="2088841"/>
             <a:ext cx="2169751" cy="2169751"/>
           </a:xfrm>
           <a:prstGeom prst="rect">
@@ -15747,6 +15956,15 @@
                 <a:cs typeface="Segoe UI" panose="020B0502040204020203" pitchFamily="34" charset="0"/>
               </a:rPr>
               <a:t>Common scenarios</a:t>
+            </a:r>
+            <a:r>
+              <a:rPr lang="en-US" dirty="0">
+                <a:solidFill>
+                  <a:schemeClr val="tx1"/>
+                </a:solidFill>
+                <a:latin typeface="Segoe UI" panose="020B0502040204020203" pitchFamily="34" charset="0"/>
+              </a:rPr>
+              <a:t/>
             </a:r>
             <a:br>
               <a:rPr lang="en-US" dirty="0">
@@ -15899,6 +16117,15 @@
                 <a:cs typeface="Segoe UI" panose="020B0502040204020203" pitchFamily="34" charset="0"/>
               </a:rPr>
               <a:t>Common scenarios</a:t>
+            </a:r>
+            <a:r>
+              <a:rPr lang="en-US" dirty="0">
+                <a:solidFill>
+                  <a:schemeClr val="tx1"/>
+                </a:solidFill>
+                <a:latin typeface="Segoe UI" panose="020B0502040204020203" pitchFamily="34" charset="0"/>
+              </a:rPr>
+              <a:t/>
             </a:r>
             <a:br>
               <a:rPr lang="en-US" dirty="0">
@@ -16597,7 +16824,7 @@
         <p:spPr>
           <a:xfrm>
             <a:off x="340285" y="1062166"/>
-            <a:ext cx="10229103" cy="6170920"/>
+            <a:ext cx="11472487" cy="5672322"/>
           </a:xfrm>
           <a:prstGeom prst="rect">
             <a:avLst/>
@@ -16654,7 +16881,7 @@
                 <a:spcPts val="600"/>
               </a:spcAft>
             </a:pPr>
-            <a:endParaRPr lang="en-US" sz="2400" dirty="0">
+            <a:endParaRPr lang="en-US" dirty="0">
               <a:latin typeface="+mj-lt"/>
             </a:endParaRPr>
           </a:p>
@@ -16700,7 +16927,7 @@
                 <a:spcPts val="600"/>
               </a:spcAft>
             </a:pPr>
-            <a:endParaRPr lang="en-US" sz="2400" dirty="0">
+            <a:endParaRPr lang="en-US" dirty="0">
               <a:latin typeface="+mj-lt"/>
             </a:endParaRPr>
           </a:p>
@@ -17154,6 +17381,15 @@
               </a:rPr>
               <a:t>Preferred target audience</a:t>
             </a:r>
+            <a:r>
+              <a:rPr lang="en-US" dirty="0">
+                <a:solidFill>
+                  <a:schemeClr val="tx1"/>
+                </a:solidFill>
+                <a:latin typeface="Segoe UI" panose="020B0502040204020203" pitchFamily="34" charset="0"/>
+              </a:rPr>
+              <a:t/>
+            </a:r>
             <a:br>
               <a:rPr lang="en-US" dirty="0">
                 <a:solidFill>
@@ -17173,7 +17409,7 @@
       </p:sp>
       <p:pic>
         <p:nvPicPr>
-          <p:cNvPr id="4" name="Graphic 3" descr="Meeting">
+          <p:cNvPr id="4" name="Graphic 3" descr="Meeting icon">
             <a:extLst>
               <a:ext uri="{FF2B5EF4-FFF2-40B4-BE49-F238E27FC236}">
                 <a16:creationId xmlns:a16="http://schemas.microsoft.com/office/drawing/2014/main" id="{51764D11-5F0C-4D7E-9C78-AA3E00DAC2EB}"/>
@@ -17192,7 +17428,7 @@
                 <a14:useLocalDpi xmlns:a14="http://schemas.microsoft.com/office/drawing/2010/main" val="0"/>
               </a:ext>
               <a:ext uri="{96DAC541-7B7A-43D3-8B79-37D633B846F1}">
-                <asvg:svgBlip xmlns:asvg="http://schemas.microsoft.com/office/drawing/2016/SVG/main" r:embed="rId4"/>
+                <asvg:svgBlip xmlns:asvg="http://schemas.microsoft.com/office/drawing/2016/SVG/main" xmlns="" r:embed="rId4"/>
               </a:ext>
             </a:extLst>
           </a:blip>
@@ -17261,7 +17497,7 @@
         <p:spPr>
           <a:xfrm>
             <a:off x="269239" y="1189177"/>
-            <a:ext cx="11653523" cy="5379312"/>
+            <a:ext cx="11267087" cy="5379312"/>
           </a:xfrm>
         </p:spPr>
         <p:txBody>
@@ -17333,6 +17569,15 @@
                 <a:cs typeface="Segoe UI" panose="020B0502040204020203" pitchFamily="34" charset="0"/>
               </a:rPr>
               <a:t>Preferred solution</a:t>
+            </a:r>
+            <a:r>
+              <a:rPr lang="en-US" dirty="0">
+                <a:solidFill>
+                  <a:schemeClr val="tx1"/>
+                </a:solidFill>
+                <a:latin typeface="Segoe UI" panose="020B0502040204020203" pitchFamily="34" charset="0"/>
+              </a:rPr>
+              <a:t/>
             </a:r>
             <a:br>
               <a:rPr lang="en-US" dirty="0">
@@ -17441,8 +17686,8 @@
         </p:nvSpPr>
         <p:spPr>
           <a:xfrm>
-            <a:off x="340285" y="1741246"/>
-            <a:ext cx="7247965" cy="4342727"/>
+            <a:off x="269240" y="1189176"/>
+            <a:ext cx="7674246" cy="5032147"/>
           </a:xfrm>
           <a:prstGeom prst="rect">
             <a:avLst/>
@@ -17480,9 +17725,17 @@
               </a:spcAft>
             </a:pPr>
             <a:r>
-              <a:rPr lang="en-US" dirty="0"/>
-              <a:t>Build and deploy Docker images to the Kubernetes platform hosted on Azure Container Service (AKS). Learn how to work with dynamic service discovery, service scale-out and HA. </a:t>
-            </a:r>
+              <a:rPr lang="en-US" sz="2000" dirty="0"/>
+              <a:t>This whiteboard design session is designed to help attendees understand the choices related to building and deploying containerized applications in Azure, critical decisions around this and other aspects of the solution including ways to lift-and-shift parts of the application to reduce applications changes</a:t>
+            </a:r>
+            <a:r>
+              <a:rPr lang="en-US" sz="2000" dirty="0" smtClean="0"/>
+              <a:t>.</a:t>
+            </a:r>
+            <a:br>
+              <a:rPr lang="en-US" sz="2000" dirty="0" smtClean="0"/>
+            </a:br>
+            <a:endParaRPr lang="en-US" sz="2000" dirty="0"/>
           </a:p>
           <a:p>
             <a:pPr>
@@ -17493,17 +17746,6 @@
                 <a:spcPts val="600"/>
               </a:spcAft>
             </a:pPr>
-            <a:endParaRPr lang="en-US" sz="2400" dirty="0"/>
-          </a:p>
-          <a:p>
-            <a:pPr>
-              <a:lnSpc>
-                <a:spcPct val="90000"/>
-              </a:lnSpc>
-              <a:spcAft>
-                <a:spcPts val="600"/>
-              </a:spcAft>
-            </a:pPr>
             <a:r>
               <a:rPr lang="en-US" sz="3600" dirty="0">
                 <a:latin typeface="+mj-lt"/>
@@ -17517,7 +17759,7 @@
               <a:buChar char="•"/>
             </a:pPr>
             <a:r>
-              <a:rPr lang="en-US" dirty="0"/>
+              <a:rPr lang="en-US" sz="2000" dirty="0"/>
               <a:t>Work with Docker images and Azure Container Registry</a:t>
             </a:r>
           </a:p>
@@ -17527,7 +17769,7 @@
               <a:buChar char="•"/>
             </a:pPr>
             <a:r>
-              <a:rPr lang="en-US" dirty="0"/>
+              <a:rPr lang="en-US" sz="2000" dirty="0"/>
               <a:t>Create a Kubernetes cluster with Azure Kubernetes Service (AKS)</a:t>
             </a:r>
           </a:p>
@@ -17537,7 +17779,7 @@
               <a:buChar char="•"/>
             </a:pPr>
             <a:r>
-              <a:rPr lang="en-US" dirty="0"/>
+              <a:rPr lang="en-US" sz="2000" dirty="0"/>
               <a:t>Deploy containers to a Kubernetes cluster</a:t>
             </a:r>
           </a:p>
@@ -17547,7 +17789,7 @@
               <a:buChar char="•"/>
             </a:pPr>
             <a:r>
-              <a:rPr lang="en-US" dirty="0"/>
+              <a:rPr lang="en-US" sz="2000" dirty="0"/>
               <a:t>Load balance containers, set up dynamic service discovery</a:t>
             </a:r>
           </a:p>
@@ -17557,7 +17799,7 @@
               <a:buChar char="•"/>
             </a:pPr>
             <a:r>
-              <a:rPr lang="en-US" dirty="0"/>
+              <a:rPr lang="en-US" sz="2000" dirty="0"/>
               <a:t>Scale services </a:t>
             </a:r>
           </a:p>
@@ -17567,7 +17809,7 @@
               <a:buChar char="•"/>
             </a:pPr>
             <a:r>
-              <a:rPr lang="en-US" dirty="0"/>
+              <a:rPr lang="en-US" sz="2000" dirty="0"/>
               <a:t>Perform rolling upgrades with zero downtime</a:t>
             </a:r>
           </a:p>
@@ -17575,7 +17817,7 @@
       </p:sp>
       <p:pic>
         <p:nvPicPr>
-          <p:cNvPr id="4" name="Graphic 3" descr="Teacher">
+          <p:cNvPr id="4" name="Graphic 3" descr="Teacher icon">
             <a:extLst>
               <a:ext uri="{FF2B5EF4-FFF2-40B4-BE49-F238E27FC236}">
                 <a16:creationId xmlns:a16="http://schemas.microsoft.com/office/drawing/2014/main" id="{8CD62878-BE2D-4253-993C-3AEE90C49839}"/>
@@ -17594,7 +17836,7 @@
                 <a14:useLocalDpi xmlns:a14="http://schemas.microsoft.com/office/drawing/2010/main" val="0"/>
               </a:ext>
               <a:ext uri="{96DAC541-7B7A-43D3-8B79-37D633B846F1}">
-                <asvg:svgBlip xmlns:asvg="http://schemas.microsoft.com/office/drawing/2016/SVG/main" r:embed="rId4"/>
+                <asvg:svgBlip xmlns:asvg="http://schemas.microsoft.com/office/drawing/2016/SVG/main" xmlns="" r:embed="rId4"/>
               </a:ext>
             </a:extLst>
           </a:blip>
@@ -17675,6 +17917,15 @@
                 <a:cs typeface="Segoe UI" panose="020B0502040204020203" pitchFamily="34" charset="0"/>
               </a:rPr>
               <a:t>Preferred solution</a:t>
+            </a:r>
+            <a:r>
+              <a:rPr lang="en-US" dirty="0">
+                <a:solidFill>
+                  <a:schemeClr val="tx1"/>
+                </a:solidFill>
+                <a:latin typeface="Segoe UI" panose="020B0502040204020203" pitchFamily="34" charset="0"/>
+              </a:rPr>
+              <a:t/>
             </a:r>
             <a:br>
               <a:rPr lang="en-US" dirty="0">
@@ -17792,26 +18043,34 @@
             </a:r>
           </a:p>
           <a:p>
-            <a:endParaRPr lang="en-US" sz="3600" i="1" dirty="0"/>
+            <a:endParaRPr lang="en-US" sz="2000" i="1" dirty="0"/>
           </a:p>
           <a:p>
             <a:pPr lvl="2"/>
             <a:r>
-              <a:rPr lang="en-US" sz="2408" dirty="0"/>
+              <a:rPr lang="en-US" sz="2800" dirty="0"/>
               <a:t>App Service for Containers – simple, PaaS without robust orchestration platform management tooling</a:t>
             </a:r>
           </a:p>
           <a:p>
             <a:pPr lvl="2"/>
             <a:r>
-              <a:rPr lang="en-US" sz="2408" dirty="0"/>
-              <a:t>Azure Container Instances – simple, isolated, without management tooling</a:t>
+              <a:rPr lang="en-US" sz="2800" dirty="0"/>
+              <a:t>Azure Container Instances – simple, isolated, without </a:t>
+            </a:r>
+            <a:r>
+              <a:rPr lang="en-US" sz="2800" dirty="0" smtClean="0"/>
+              <a:t>management </a:t>
+            </a:r>
+            <a:r>
+              <a:rPr lang="en-US" sz="2800" dirty="0"/>
+              <a:t>tooling</a:t>
             </a:r>
           </a:p>
           <a:p>
             <a:pPr lvl="2"/>
             <a:r>
-              <a:rPr lang="en-US" sz="2408" dirty="0"/>
+              <a:rPr lang="en-US" sz="2800" dirty="0"/>
               <a:t>Azure Kubernetes Services (AKS) – the ideal solution for a fully managed experience</a:t>
             </a:r>
           </a:p>
@@ -17842,6 +18101,15 @@
                 <a:cs typeface="Segoe UI" panose="020B0502040204020203" pitchFamily="34" charset="0"/>
               </a:rPr>
               <a:t>Preferred objections handling</a:t>
+            </a:r>
+            <a:r>
+              <a:rPr lang="en-US" dirty="0">
+                <a:solidFill>
+                  <a:schemeClr val="tx1"/>
+                </a:solidFill>
+                <a:latin typeface="Segoe UI" panose="020B0502040204020203" pitchFamily="34" charset="0"/>
+              </a:rPr>
+              <a:t/>
             </a:r>
             <a:br>
               <a:rPr lang="en-US" dirty="0">
@@ -17910,8 +18178,8 @@
         </p:nvSpPr>
         <p:spPr>
           <a:xfrm>
-            <a:off x="269239" y="1189176"/>
-            <a:ext cx="11653523" cy="5287823"/>
+            <a:off x="269240" y="1444357"/>
+            <a:ext cx="10416482" cy="5287823"/>
           </a:xfrm>
         </p:spPr>
         <p:txBody>
@@ -17924,18 +18192,17 @@
               <a:buNone/>
             </a:pPr>
             <a:r>
-              <a:rPr lang="en-US" dirty="0"/>
+              <a:rPr lang="en-US" sz="3600" dirty="0"/>
               <a:t>With so many platforms and tools for Docker and container orchestration, how should we choose an option for Azure?</a:t>
             </a:r>
-            <a:endParaRPr lang="en-US" sz="3600" dirty="0"/>
-          </a:p>
-          <a:p>
-            <a:endParaRPr lang="en-US" sz="3600" i="1" dirty="0"/>
+          </a:p>
+          <a:p>
+            <a:endParaRPr lang="en-US" sz="1800" i="1" dirty="0"/>
           </a:p>
           <a:p>
             <a:pPr lvl="2"/>
             <a:r>
-              <a:rPr lang="en-US" sz="2408" dirty="0"/>
+              <a:rPr lang="en-US" sz="2800" dirty="0"/>
               <a:t>The best option is to go with a managed cluster such as Azure Container Service (AKS), native to Azure</a:t>
             </a:r>
           </a:p>
@@ -17966,6 +18233,15 @@
                 <a:cs typeface="Segoe UI" panose="020B0502040204020203" pitchFamily="34" charset="0"/>
               </a:rPr>
               <a:t>Preferred objections handling</a:t>
+            </a:r>
+            <a:r>
+              <a:rPr lang="en-US" dirty="0">
+                <a:solidFill>
+                  <a:schemeClr val="tx1"/>
+                </a:solidFill>
+                <a:latin typeface="Segoe UI" panose="020B0502040204020203" pitchFamily="34" charset="0"/>
+              </a:rPr>
+              <a:t/>
             </a:r>
             <a:br>
               <a:rPr lang="en-US" dirty="0">
@@ -18153,6 +18429,15 @@
                 <a:cs typeface="Segoe UI" panose="020B0502040204020203" pitchFamily="34" charset="0"/>
               </a:rPr>
               <a:t>Customer quote</a:t>
+            </a:r>
+            <a:r>
+              <a:rPr lang="en-US" dirty="0">
+                <a:solidFill>
+                  <a:schemeClr val="tx1"/>
+                </a:solidFill>
+                <a:latin typeface="Segoe UI" panose="020B0502040204020203" pitchFamily="34" charset="0"/>
+              </a:rPr>
+              <a:t/>
             </a:r>
             <a:br>
               <a:rPr lang="en-US" dirty="0">
@@ -18463,17 +18748,19 @@
           </a:bodyPr>
           <a:lstStyle/>
           <a:p>
-            <a:pPr marL="0" indent="0">
-              <a:buNone/>
-            </a:pPr>
             <a:r>
               <a:rPr lang="en-US" sz="3600" b="1" dirty="0" err="1"/>
               <a:t>Fabrikam</a:t>
             </a:r>
             <a:r>
               <a:rPr lang="en-US" sz="3600" b="1" dirty="0"/>
-              <a:t> Medical Conferences provides conference web site services tailored to the medical community. </a:t>
-            </a:r>
+              <a:t> Medical Conferences provides conference web site services tailored to the medical </a:t>
+            </a:r>
+            <a:r>
+              <a:rPr lang="en-US" sz="3600" b="1" dirty="0" smtClean="0"/>
+              <a:t>community</a:t>
+            </a:r>
+            <a:endParaRPr lang="en-US" sz="3600" b="1" dirty="0"/>
           </a:p>
           <a:p>
             <a:pPr marL="0" indent="0">
@@ -18482,9 +18769,6 @@
             <a:endParaRPr lang="en-US" sz="3600" b="1" dirty="0"/>
           </a:p>
           <a:p>
-            <a:pPr marL="0" indent="0">
-              <a:buNone/>
-            </a:pPr>
             <a:r>
               <a:rPr lang="en-US" sz="3600" b="1" dirty="0"/>
               <a:t>After starting with a few small conferences, they now have evolved into a well-known brand and handle over 100 conferences per year, and growing. </a:t>
@@ -18547,6 +18831,15 @@
                 <a:cs typeface="Segoe UI" panose="020B0502040204020203" pitchFamily="34" charset="0"/>
               </a:rPr>
               <a:t>ituation</a:t>
+            </a:r>
+            <a:r>
+              <a:rPr lang="en-US" dirty="0">
+                <a:solidFill>
+                  <a:schemeClr val="tx1"/>
+                </a:solidFill>
+                <a:latin typeface="Segoe UI" panose="020B0502040204020203" pitchFamily="34" charset="0"/>
+              </a:rPr>
+              <a:t/>
             </a:r>
             <a:br>
               <a:rPr lang="en-US" dirty="0">
@@ -18627,16 +18920,45 @@
           <a:p>
             <a:r>
               <a:rPr lang="en-US" sz="3600" b="1" dirty="0"/>
-              <a:t>Each conference site has limited budget but the conference owners have significant customization and change demands. </a:t>
-            </a:r>
-          </a:p>
-          <a:p>
+              <a:t>Each conference site has limited </a:t>
+            </a:r>
+            <a:r>
+              <a:rPr lang="en-US" sz="3600" b="1" dirty="0" smtClean="0"/>
+              <a:t>budget, but </a:t>
+            </a:r>
+            <a:r>
+              <a:rPr lang="en-US" sz="3600" b="1" dirty="0"/>
+              <a:t>the conference owners have significant customization and change </a:t>
+            </a:r>
+            <a:r>
+              <a:rPr lang="en-US" sz="3600" b="1" dirty="0" smtClean="0"/>
+              <a:t>demands</a:t>
+            </a:r>
             <a:endParaRPr lang="en-US" sz="3600" b="1" dirty="0"/>
           </a:p>
           <a:p>
+            <a:endParaRPr lang="en-US" sz="3600" b="1" dirty="0"/>
+          </a:p>
+          <a:p>
             <a:r>
               <a:rPr lang="en-US" sz="3600" b="1" dirty="0"/>
-              <a:t>These changes can impact various aspects of the system from UI through to back end including conference registration and payment terms. </a:t>
+              <a:t>These changes can impact various aspects of the system from UI </a:t>
+            </a:r>
+            <a:r>
+              <a:rPr lang="en-US" sz="3600" b="1" dirty="0" smtClean="0"/>
+              <a:t>to </a:t>
+            </a:r>
+            <a:r>
+              <a:rPr lang="en-US" sz="3600" b="1" dirty="0"/>
+              <a:t>back </a:t>
+            </a:r>
+            <a:r>
+              <a:rPr lang="en-US" sz="3600" b="1" dirty="0" smtClean="0"/>
+              <a:t>end, including </a:t>
+            </a:r>
+            <a:r>
+              <a:rPr lang="en-US" sz="3600" b="1" dirty="0"/>
+              <a:t>conference registration and payment terms. </a:t>
             </a:r>
           </a:p>
           <a:p>
@@ -18679,6 +19001,15 @@
                 <a:cs typeface="Segoe UI" panose="020B0502040204020203" pitchFamily="34" charset="0"/>
               </a:rPr>
               <a:t>Customer situation</a:t>
+            </a:r>
+            <a:r>
+              <a:rPr lang="en-US" dirty="0">
+                <a:solidFill>
+                  <a:schemeClr val="tx1"/>
+                </a:solidFill>
+                <a:latin typeface="Segoe UI" panose="020B0502040204020203" pitchFamily="34" charset="0"/>
+              </a:rPr>
+              <a:t/>
             </a:r>
             <a:br>
               <a:rPr lang="en-US" dirty="0">
@@ -18796,8 +19127,13 @@
           <a:p>
             <a:r>
               <a:rPr lang="en-US" sz="3600" b="1" dirty="0"/>
-              <a:t>Due to customer demands, they have issues with the efficiency and reliability of their development and DevOps workflows. </a:t>
-            </a:r>
+              <a:t>Due to customer demands, they have issues with the efficiency and reliability of their development and DevOps </a:t>
+            </a:r>
+            <a:r>
+              <a:rPr lang="en-US" sz="3600" b="1" dirty="0" smtClean="0"/>
+              <a:t>workflows </a:t>
+            </a:r>
+            <a:endParaRPr lang="en-US" sz="3600" b="1" dirty="0"/>
           </a:p>
           <a:p>
             <a:pPr marL="0" indent="0">
@@ -18839,6 +19175,15 @@
                 <a:cs typeface="Segoe UI" panose="020B0502040204020203" pitchFamily="34" charset="0"/>
               </a:rPr>
               <a:t>Customer situation</a:t>
+            </a:r>
+            <a:r>
+              <a:rPr lang="en-US" dirty="0">
+                <a:solidFill>
+                  <a:schemeClr val="tx1"/>
+                </a:solidFill>
+                <a:latin typeface="Segoe UI" panose="020B0502040204020203" pitchFamily="34" charset="0"/>
+              </a:rPr>
+              <a:t/>
             </a:r>
             <a:br>
               <a:rPr lang="en-US" dirty="0">
@@ -18907,7 +19252,7 @@
         </p:nvSpPr>
         <p:spPr>
           <a:xfrm>
-            <a:off x="269239" y="1189177"/>
+            <a:off x="269240" y="1263605"/>
             <a:ext cx="11653523" cy="5379312"/>
           </a:xfrm>
         </p:spPr>
@@ -18919,17 +19264,24 @@
           <a:p>
             <a:r>
               <a:rPr lang="en-US" sz="3600" b="1" dirty="0"/>
-              <a:t>The technology used is the MEAN stack </a:t>
-            </a:r>
+              <a:t>The technology used is the MEAN </a:t>
+            </a:r>
+            <a:r>
+              <a:rPr lang="en-US" sz="3600" b="1" dirty="0" smtClean="0"/>
+              <a:t>stack </a:t>
+            </a:r>
+            <a:endParaRPr lang="en-US" sz="3600" b="1" dirty="0"/>
           </a:p>
           <a:p>
             <a:pPr lvl="1"/>
             <a:r>
               <a:rPr lang="en-US" sz="2800" b="1" dirty="0"/>
-              <a:t>Mongo, Express, Angular, and Node.js</a:t>
-            </a:r>
-          </a:p>
-          <a:p>
+              <a:t>Mongo, Express, Angular, and </a:t>
+            </a:r>
+            <a:r>
+              <a:rPr lang="en-US" sz="2800" b="1" dirty="0" smtClean="0"/>
+              <a:t>Node.js</a:t>
+            </a:r>
             <a:endParaRPr lang="en-US" sz="3600" b="1" dirty="0"/>
           </a:p>
           <a:p>
@@ -18988,6 +19340,15 @@
                 <a:cs typeface="Segoe UI" panose="020B0502040204020203" pitchFamily="34" charset="0"/>
               </a:rPr>
               <a:t>Customer situation</a:t>
+            </a:r>
+            <a:r>
+              <a:rPr lang="en-US" dirty="0">
+                <a:solidFill>
+                  <a:schemeClr val="tx1"/>
+                </a:solidFill>
+                <a:latin typeface="Segoe UI" panose="020B0502040204020203" pitchFamily="34" charset="0"/>
+              </a:rPr>
+              <a:t/>
             </a:r>
             <a:br>
               <a:rPr lang="en-US" dirty="0">
@@ -19068,7 +19429,15 @@
           <a:p>
             <a:r>
               <a:rPr lang="en-US" sz="3600" b="1" dirty="0"/>
-              <a:t>Conference owners (“customers”) are considered “tenants” and each tenant is treated as a unique deployment including:</a:t>
+              <a:t>Conference owners (“customers”) are considered “</a:t>
+            </a:r>
+            <a:r>
+              <a:rPr lang="en-US" sz="3600" b="1" dirty="0" smtClean="0"/>
+              <a:t>tenants”, and </a:t>
+            </a:r>
+            <a:r>
+              <a:rPr lang="en-US" sz="3600" b="1" dirty="0"/>
+              <a:t>each tenant is treated as a unique deployment including:</a:t>
             </a:r>
           </a:p>
           <a:p>
@@ -19145,6 +19514,15 @@
                 <a:cs typeface="Segoe UI" panose="020B0502040204020203" pitchFamily="34" charset="0"/>
               </a:rPr>
               <a:t>Customer situation</a:t>
+            </a:r>
+            <a:r>
+              <a:rPr lang="en-US" dirty="0">
+                <a:solidFill>
+                  <a:schemeClr val="tx1"/>
+                </a:solidFill>
+                <a:latin typeface="Segoe UI" panose="020B0502040204020203" pitchFamily="34" charset="0"/>
+              </a:rPr>
+              <a:t/>
             </a:r>
             <a:br>
               <a:rPr lang="en-US" dirty="0">
@@ -19213,8 +19591,8 @@
         </p:nvSpPr>
         <p:spPr>
           <a:xfrm>
-            <a:off x="269239" y="1189177"/>
-            <a:ext cx="11653523" cy="5379312"/>
+            <a:off x="269240" y="1189177"/>
+            <a:ext cx="10916212" cy="5379312"/>
           </a:xfrm>
         </p:spPr>
         <p:txBody>
@@ -19231,42 +19609,42 @@
           <a:p>
             <a:pPr lvl="2" fontAlgn="base"/>
             <a:r>
-              <a:rPr lang="en-US" sz="2400" b="1" dirty="0"/>
+              <a:rPr lang="en-US" sz="2800" b="1" dirty="0"/>
               <a:t>Reduce potential regressions introduced to functional tenant code when changes are made</a:t>
             </a:r>
           </a:p>
           <a:p>
             <a:pPr lvl="2" fontAlgn="base"/>
             <a:r>
-              <a:rPr lang="en-US" sz="2400" b="1" dirty="0"/>
+              <a:rPr lang="en-US" sz="2800" b="1" dirty="0"/>
               <a:t>Ideally, changes to individual areas should not require a full regression test of the site functionality</a:t>
             </a:r>
           </a:p>
           <a:p>
             <a:pPr lvl="2" fontAlgn="base"/>
             <a:r>
-              <a:rPr lang="en-US" sz="2400" b="1" dirty="0"/>
+              <a:rPr lang="en-US" sz="2800" b="1" dirty="0"/>
               <a:t>Reduce the time to onboard new tenants</a:t>
             </a:r>
           </a:p>
           <a:p>
             <a:pPr lvl="2" fontAlgn="base"/>
             <a:r>
-              <a:rPr lang="en-US" sz="2400" b="1" dirty="0"/>
+              <a:rPr lang="en-US" sz="2800" b="1" dirty="0"/>
               <a:t>Reduce overhead managing changes, and related deployments</a:t>
             </a:r>
           </a:p>
           <a:p>
             <a:pPr lvl="2" fontAlgn="base"/>
             <a:r>
-              <a:rPr lang="en-US" sz="2400" b="1" dirty="0"/>
+              <a:rPr lang="en-US" sz="2800" b="1" dirty="0"/>
               <a:t>Improve ability to roll back and recover post change</a:t>
             </a:r>
           </a:p>
           <a:p>
             <a:pPr lvl="2" fontAlgn="base"/>
             <a:r>
-              <a:rPr lang="en-US" sz="2400" b="1" dirty="0"/>
+              <a:rPr lang="en-US" sz="2800" b="1" dirty="0"/>
               <a:t>Increase visibility into system operations and health</a:t>
             </a:r>
           </a:p>
@@ -19297,6 +19675,15 @@
                 <a:cs typeface="Segoe UI" panose="020B0502040204020203" pitchFamily="34" charset="0"/>
               </a:rPr>
               <a:t>Customer situation</a:t>
+            </a:r>
+            <a:r>
+              <a:rPr lang="en-US" dirty="0">
+                <a:solidFill>
+                  <a:schemeClr val="tx1"/>
+                </a:solidFill>
+                <a:latin typeface="Segoe UI" panose="020B0502040204020203" pitchFamily="34" charset="0"/>
+              </a:rPr>
+              <a:t/>
             </a:r>
             <a:br>
               <a:rPr lang="en-US" dirty="0">
@@ -20202,6 +20589,24 @@
 </file>
 
 <file path=customXml/item1.xml><?xml version="1.0" encoding="utf-8"?>
+<p:properties xmlns:p="http://schemas.microsoft.com/office/2006/metadata/properties" xmlns:xsi="http://www.w3.org/2001/XMLSchema-instance" xmlns:pc="http://schemas.microsoft.com/office/infopath/2007/PartnerControls">
+  <documentManagement>
+    <_ip_UnifiedCompliancePolicyUIAction xmlns="http://schemas.microsoft.com/sharepoint/v3" xsi:nil="true"/>
+    <_ip_UnifiedCompliancePolicyProperties xmlns="http://schemas.microsoft.com/sharepoint/v3" xsi:nil="true"/>
+  </documentManagement>
+</p:properties>
+</file>
+
+<file path=customXml/item2.xml><?xml version="1.0" encoding="utf-8"?>
+<?mso-contentType ?>
+<FormTemplates xmlns="http://schemas.microsoft.com/sharepoint/v3/contenttype/forms">
+  <Display>DocumentLibraryForm</Display>
+  <Edit>DocumentLibraryForm</Edit>
+  <New>DocumentLibraryForm</New>
+</FormTemplates>
+</file>
+
+<file path=customXml/item3.xml><?xml version="1.0" encoding="utf-8"?>
 <ct:contentTypeSchema xmlns:ct="http://schemas.microsoft.com/office/2006/metadata/contentType" xmlns:ma="http://schemas.microsoft.com/office/2006/metadata/properties/metaAttributes" ct:_="" ma:_="" ma:contentTypeName="Document" ma:contentTypeID="0x010100D15DFA3690A15B4081582BBCC6BEAC3E" ma:contentTypeVersion="9" ma:contentTypeDescription="Create a new document." ma:contentTypeScope="" ma:versionID="642da1784587cbe85a7fdbbe4dc36103">
   <xsd:schema xmlns:xsd="http://www.w3.org/2001/XMLSchema" xmlns:xs="http://www.w3.org/2001/XMLSchema" xmlns:p="http://schemas.microsoft.com/office/2006/metadata/properties" xmlns:ns1="http://schemas.microsoft.com/sharepoint/v3" xmlns:ns2="2023ac63-7b75-4916-a9ee-591457758eee" xmlns:ns3="d9c797ad-d7c3-4982-82b7-81352a75e4a5" targetNamespace="http://schemas.microsoft.com/office/2006/metadata/properties" ma:root="true" ma:fieldsID="91198b0246576053cc55dd2c67035a89" ns1:_="" ns2:_="" ns3:_="">
     <xsd:import namespace="http://schemas.microsoft.com/sharepoint/v3"/>
@@ -20403,25 +20808,33 @@
 </ct:contentTypeSchema>
 </file>
 
-<file path=customXml/item2.xml><?xml version="1.0" encoding="utf-8"?>
-<?mso-contentType ?>
-<FormTemplates xmlns="http://schemas.microsoft.com/sharepoint/v3/contenttype/forms">
-  <Display>DocumentLibraryForm</Display>
-  <Edit>DocumentLibraryForm</Edit>
-  <New>DocumentLibraryForm</New>
-</FormTemplates>
+<file path=customXml/itemProps1.xml><?xml version="1.0" encoding="utf-8"?>
+<ds:datastoreItem xmlns:ds="http://schemas.openxmlformats.org/officeDocument/2006/customXml" ds:itemID="{31C66A41-D5D1-47A0-92FC-E1A1B9B5AA14}">
+  <ds:schemaRefs>
+    <ds:schemaRef ds:uri="http://purl.org/dc/elements/1.1/"/>
+    <ds:schemaRef ds:uri="http://schemas.microsoft.com/office/2006/metadata/properties"/>
+    <ds:schemaRef ds:uri="http://schemas.openxmlformats.org/package/2006/metadata/core-properties"/>
+    <ds:schemaRef ds:uri="http://purl.org/dc/terms/"/>
+    <ds:schemaRef ds:uri="2023ac63-7b75-4916-a9ee-591457758eee"/>
+    <ds:schemaRef ds:uri="http://schemas.microsoft.com/office/2006/documentManagement/types"/>
+    <ds:schemaRef ds:uri="http://schemas.microsoft.com/office/infopath/2007/PartnerControls"/>
+    <ds:schemaRef ds:uri="d9c797ad-d7c3-4982-82b7-81352a75e4a5"/>
+    <ds:schemaRef ds:uri="http://schemas.microsoft.com/sharepoint/v3"/>
+    <ds:schemaRef ds:uri="http://www.w3.org/XML/1998/namespace"/>
+    <ds:schemaRef ds:uri="http://purl.org/dc/dcmitype/"/>
+  </ds:schemaRefs>
+</ds:datastoreItem>
 </file>
 
-<file path=customXml/item3.xml><?xml version="1.0" encoding="utf-8"?>
-<p:properties xmlns:p="http://schemas.microsoft.com/office/2006/metadata/properties" xmlns:xsi="http://www.w3.org/2001/XMLSchema-instance" xmlns:pc="http://schemas.microsoft.com/office/infopath/2007/PartnerControls">
-  <documentManagement>
-    <_ip_UnifiedCompliancePolicyUIAction xmlns="http://schemas.microsoft.com/sharepoint/v3" xsi:nil="true"/>
-    <_ip_UnifiedCompliancePolicyProperties xmlns="http://schemas.microsoft.com/sharepoint/v3" xsi:nil="true"/>
-  </documentManagement>
-</p:properties>
+<file path=customXml/itemProps2.xml><?xml version="1.0" encoding="utf-8"?>
+<ds:datastoreItem xmlns:ds="http://schemas.openxmlformats.org/officeDocument/2006/customXml" ds:itemID="{158EBE6C-F96B-4BB0-A894-BE91EDC32CEB}">
+  <ds:schemaRefs>
+    <ds:schemaRef ds:uri="http://schemas.microsoft.com/sharepoint/v3/contenttype/forms"/>
+  </ds:schemaRefs>
+</ds:datastoreItem>
 </file>
 
-<file path=customXml/itemProps1.xml><?xml version="1.0" encoding="utf-8"?>
+<file path=customXml/itemProps3.xml><?xml version="1.0" encoding="utf-8"?>
 <ds:datastoreItem xmlns:ds="http://schemas.openxmlformats.org/officeDocument/2006/customXml" ds:itemID="{7739C07D-175D-4795-BC78-2FBA4DE737F8}">
   <ds:schemaRefs>
     <ds:schemaRef ds:uri="http://schemas.microsoft.com/office/2006/metadata/contentType"/>
@@ -20439,30 +20852,4 @@
     <ds:schemaRef ds:uri="http://schemas.microsoft.com/internal/obd"/>
   </ds:schemaRefs>
 </ds:datastoreItem>
-</file>
-
-<file path=customXml/itemProps2.xml><?xml version="1.0" encoding="utf-8"?>
-<ds:datastoreItem xmlns:ds="http://schemas.openxmlformats.org/officeDocument/2006/customXml" ds:itemID="{158EBE6C-F96B-4BB0-A894-BE91EDC32CEB}">
-  <ds:schemaRefs>
-    <ds:schemaRef ds:uri="http://schemas.microsoft.com/sharepoint/v3/contenttype/forms"/>
-  </ds:schemaRefs>
-</ds:datastoreItem>
-</file>
-
-<file path=customXml/itemProps3.xml><?xml version="1.0" encoding="utf-8"?>
-<ds:datastoreItem xmlns:ds="http://schemas.openxmlformats.org/officeDocument/2006/customXml" ds:itemID="{31C66A41-D5D1-47A0-92FC-E1A1B9B5AA14}">
-  <ds:schemaRefs>
-    <ds:schemaRef ds:uri="http://schemas.microsoft.com/sharepoint/v3"/>
-    <ds:schemaRef ds:uri="http://purl.org/dc/terms/"/>
-    <ds:schemaRef ds:uri="http://schemas.openxmlformats.org/package/2006/metadata/core-properties"/>
-    <ds:schemaRef ds:uri="http://schemas.microsoft.com/office/2006/documentManagement/types"/>
-    <ds:schemaRef ds:uri="http://schemas.microsoft.com/office/infopath/2007/PartnerControls"/>
-    <ds:schemaRef ds:uri="http://purl.org/dc/elements/1.1/"/>
-    <ds:schemaRef ds:uri="http://schemas.microsoft.com/office/2006/metadata/properties"/>
-    <ds:schemaRef ds:uri="d9c797ad-d7c3-4982-82b7-81352a75e4a5"/>
-    <ds:schemaRef ds:uri="2023ac63-7b75-4916-a9ee-591457758eee"/>
-    <ds:schemaRef ds:uri="http://www.w3.org/XML/1998/namespace"/>
-    <ds:schemaRef ds:uri="http://purl.org/dc/dcmitype/"/>
-  </ds:schemaRefs>
-</ds:datastoreItem>
 </file>
--- a/WDS/Whiteboard design session trainer presentation - Containers and DevOps.pptx
+++ b/WDS/Whiteboard design session trainer presentation - Containers and DevOps.pptx
@@ -2177,7 +2177,7 @@
                   <a:prstClr val="black"/>
                 </a:solidFill>
               </a:rPr>
-              <a:t>6/29/2018 12:07 AM</a:t>
+              <a:t>6/29/2018 10:05 AM</a:t>
             </a:fld>
             <a:endParaRPr lang="en-US" dirty="0">
               <a:solidFill>
@@ -15096,7 +15096,7 @@
                 <a14:useLocalDpi xmlns:a14="http://schemas.microsoft.com/office/drawing/2010/main" val="0"/>
               </a:ext>
               <a:ext uri="{96DAC541-7B7A-43D3-8B79-37D633B846F1}">
-                <asvg:svgBlip xmlns:asvg="http://schemas.microsoft.com/office/drawing/2016/SVG/main" xmlns="" r:embed="rId4"/>
+                <asvg:svgBlip xmlns="" xmlns:asvg="http://schemas.microsoft.com/office/drawing/2016/SVG/main" r:embed="rId4"/>
               </a:ext>
             </a:extLst>
           </a:blip>
@@ -15206,8 +15206,13 @@
             </a:pPr>
             <a:r>
               <a:rPr lang="en-US" sz="2400" dirty="0"/>
-              <a:t>Reduce potential for regressions when changes are made to each tenant code base.</a:t>
-            </a:r>
+              <a:t>Reduce potential for regressions when changes are made to each tenant code </a:t>
+            </a:r>
+            <a:r>
+              <a:rPr lang="en-US" sz="2400" dirty="0" smtClean="0"/>
+              <a:t>base</a:t>
+            </a:r>
+            <a:endParaRPr lang="en-US" sz="2400" dirty="0"/>
           </a:p>
           <a:p>
             <a:pPr marL="742950" lvl="1" indent="-285750">
@@ -15231,8 +15236,13 @@
             </a:r>
             <a:r>
               <a:rPr lang="en-US" sz="2400" dirty="0"/>
-              <a:t>in different areas.</a:t>
-            </a:r>
+              <a:t>in different </a:t>
+            </a:r>
+            <a:r>
+              <a:rPr lang="en-US" sz="2400" dirty="0" smtClean="0"/>
+              <a:t>areas</a:t>
+            </a:r>
+            <a:endParaRPr lang="en-US" sz="2400" dirty="0"/>
           </a:p>
           <a:p>
             <a:pPr marL="742950" lvl="1" indent="-285750">
@@ -15241,8 +15251,13 @@
             </a:pPr>
             <a:r>
               <a:rPr lang="en-US" sz="2400" dirty="0"/>
-              <a:t>Reduce the time to onboard new tenants.</a:t>
-            </a:r>
+              <a:t>Reduce the time to onboard new </a:t>
+            </a:r>
+            <a:r>
+              <a:rPr lang="en-US" sz="2400" dirty="0" smtClean="0"/>
+              <a:t>tenants</a:t>
+            </a:r>
+            <a:endParaRPr lang="en-US" sz="2400" dirty="0"/>
           </a:p>
           <a:p>
             <a:pPr marL="742950" lvl="1" indent="-285750">
@@ -15251,8 +15266,13 @@
             </a:pPr>
             <a:r>
               <a:rPr lang="en-US" sz="2400" dirty="0"/>
-              <a:t>Reduce overhead managing changes, and related deployments.</a:t>
-            </a:r>
+              <a:t>Reduce overhead managing changes, and related </a:t>
+            </a:r>
+            <a:r>
+              <a:rPr lang="en-US" sz="2400" dirty="0" smtClean="0"/>
+              <a:t>deployments</a:t>
+            </a:r>
+            <a:endParaRPr lang="en-US" sz="2400" dirty="0"/>
           </a:p>
           <a:p>
             <a:pPr marL="742950" lvl="1" indent="-285750">
@@ -15261,8 +15281,13 @@
             </a:pPr>
             <a:r>
               <a:rPr lang="en-US" sz="2400" dirty="0"/>
-              <a:t>Improve ability to roll back or forward quickly.</a:t>
-            </a:r>
+              <a:t>Improve ability to roll back or forward </a:t>
+            </a:r>
+            <a:r>
+              <a:rPr lang="en-US" sz="2400" dirty="0" smtClean="0"/>
+              <a:t>quickly</a:t>
+            </a:r>
+            <a:endParaRPr lang="en-US" sz="2400" dirty="0"/>
           </a:p>
           <a:p>
             <a:pPr marL="742950" lvl="1" indent="-285750">
@@ -15271,8 +15296,17 @@
             </a:pPr>
             <a:r>
               <a:rPr lang="en-US" sz="2400" dirty="0"/>
-              <a:t>Improve visibility into overall operations and health.</a:t>
-            </a:r>
+              <a:t>Improve visibility into overall operations </a:t>
+            </a:r>
+            <a:r>
+              <a:rPr lang="en-US" sz="2400"/>
+              <a:t>and </a:t>
+            </a:r>
+            <a:r>
+              <a:rPr lang="en-US" sz="2400" smtClean="0"/>
+              <a:t>health</a:t>
+            </a:r>
+            <a:endParaRPr lang="en-US" sz="2400" dirty="0"/>
           </a:p>
         </p:txBody>
       </p:sp>
@@ -15838,7 +15872,7 @@
                 <a14:useLocalDpi xmlns:a14="http://schemas.microsoft.com/office/drawing/2010/main" val="0"/>
               </a:ext>
               <a:ext uri="{96DAC541-7B7A-43D3-8B79-37D633B846F1}">
-                <asvg:svgBlip xmlns:asvg="http://schemas.microsoft.com/office/drawing/2016/SVG/main" xmlns="" r:embed="rId4"/>
+                <asvg:svgBlip xmlns="" xmlns:asvg="http://schemas.microsoft.com/office/drawing/2016/SVG/main" r:embed="rId4"/>
               </a:ext>
             </a:extLst>
           </a:blip>
@@ -17428,7 +17462,7 @@
                 <a14:useLocalDpi xmlns:a14="http://schemas.microsoft.com/office/drawing/2010/main" val="0"/>
               </a:ext>
               <a:ext uri="{96DAC541-7B7A-43D3-8B79-37D633B846F1}">
-                <asvg:svgBlip xmlns:asvg="http://schemas.microsoft.com/office/drawing/2016/SVG/main" xmlns="" r:embed="rId4"/>
+                <asvg:svgBlip xmlns="" xmlns:asvg="http://schemas.microsoft.com/office/drawing/2016/SVG/main" r:embed="rId4"/>
               </a:ext>
             </a:extLst>
           </a:blip>
@@ -17836,7 +17870,7 @@
                 <a14:useLocalDpi xmlns:a14="http://schemas.microsoft.com/office/drawing/2010/main" val="0"/>
               </a:ext>
               <a:ext uri="{96DAC541-7B7A-43D3-8B79-37D633B846F1}">
-                <asvg:svgBlip xmlns:asvg="http://schemas.microsoft.com/office/drawing/2016/SVG/main" xmlns="" r:embed="rId4"/>
+                <asvg:svgBlip xmlns="" xmlns:asvg="http://schemas.microsoft.com/office/drawing/2016/SVG/main" r:embed="rId4"/>
               </a:ext>
             </a:extLst>
           </a:blip>
@@ -20589,21 +20623,21 @@
 </file>
 
 <file path=customXml/item1.xml><?xml version="1.0" encoding="utf-8"?>
+<?mso-contentType ?>
+<FormTemplates xmlns="http://schemas.microsoft.com/sharepoint/v3/contenttype/forms">
+  <Display>DocumentLibraryForm</Display>
+  <Edit>DocumentLibraryForm</Edit>
+  <New>DocumentLibraryForm</New>
+</FormTemplates>
+</file>
+
+<file path=customXml/item2.xml><?xml version="1.0" encoding="utf-8"?>
 <p:properties xmlns:p="http://schemas.microsoft.com/office/2006/metadata/properties" xmlns:xsi="http://www.w3.org/2001/XMLSchema-instance" xmlns:pc="http://schemas.microsoft.com/office/infopath/2007/PartnerControls">
   <documentManagement>
     <_ip_UnifiedCompliancePolicyUIAction xmlns="http://schemas.microsoft.com/sharepoint/v3" xsi:nil="true"/>
     <_ip_UnifiedCompliancePolicyProperties xmlns="http://schemas.microsoft.com/sharepoint/v3" xsi:nil="true"/>
   </documentManagement>
 </p:properties>
-</file>
-
-<file path=customXml/item2.xml><?xml version="1.0" encoding="utf-8"?>
-<?mso-contentType ?>
-<FormTemplates xmlns="http://schemas.microsoft.com/sharepoint/v3/contenttype/forms">
-  <Display>DocumentLibraryForm</Display>
-  <Edit>DocumentLibraryForm</Edit>
-  <New>DocumentLibraryForm</New>
-</FormTemplates>
 </file>
 
 <file path=customXml/item3.xml><?xml version="1.0" encoding="utf-8"?>
@@ -20809,6 +20843,14 @@
 </file>
 
 <file path=customXml/itemProps1.xml><?xml version="1.0" encoding="utf-8"?>
+<ds:datastoreItem xmlns:ds="http://schemas.openxmlformats.org/officeDocument/2006/customXml" ds:itemID="{158EBE6C-F96B-4BB0-A894-BE91EDC32CEB}">
+  <ds:schemaRefs>
+    <ds:schemaRef ds:uri="http://schemas.microsoft.com/sharepoint/v3/contenttype/forms"/>
+  </ds:schemaRefs>
+</ds:datastoreItem>
+</file>
+
+<file path=customXml/itemProps2.xml><?xml version="1.0" encoding="utf-8"?>
 <ds:datastoreItem xmlns:ds="http://schemas.openxmlformats.org/officeDocument/2006/customXml" ds:itemID="{31C66A41-D5D1-47A0-92FC-E1A1B9B5AA14}">
   <ds:schemaRefs>
     <ds:schemaRef ds:uri="http://purl.org/dc/elements/1.1/"/>
@@ -20822,14 +20864,6 @@
     <ds:schemaRef ds:uri="http://schemas.microsoft.com/sharepoint/v3"/>
     <ds:schemaRef ds:uri="http://www.w3.org/XML/1998/namespace"/>
     <ds:schemaRef ds:uri="http://purl.org/dc/dcmitype/"/>
-  </ds:schemaRefs>
-</ds:datastoreItem>
-</file>
-
-<file path=customXml/itemProps2.xml><?xml version="1.0" encoding="utf-8"?>
-<ds:datastoreItem xmlns:ds="http://schemas.openxmlformats.org/officeDocument/2006/customXml" ds:itemID="{158EBE6C-F96B-4BB0-A894-BE91EDC32CEB}">
-  <ds:schemaRefs>
-    <ds:schemaRef ds:uri="http://schemas.microsoft.com/sharepoint/v3/contenttype/forms"/>
   </ds:schemaRefs>
 </ds:datastoreItem>
 </file>
